--- a/presentation.pptx
+++ b/presentation.pptx
@@ -115,6 +115,11 @@
       </a:defRPr>
     </a:lvl9pPr>
   </p:defaultTextStyle>
+  <p:extLst>
+    <p:ext uri="{EFAFB233-063F-42B5-8137-9DF3F51BA10A}">
+      <p15:sldGuideLst xmlns:p15="http://schemas.microsoft.com/office/powerpoint/2012/main"/>
+    </p:ext>
+  </p:extLst>
 </p:presentation>
 </file>
 
@@ -6696,6 +6701,30 @@
           </a:p>
         </p:txBody>
       </p:sp>
+      <p:pic>
+        <p:nvPicPr>
+          <p:cNvPr id="4" name="Image 3"/>
+          <p:cNvPicPr>
+            <a:picLocks noChangeAspect="1"/>
+          </p:cNvPicPr>
+          <p:nvPr/>
+        </p:nvPicPr>
+        <p:blipFill>
+          <a:blip r:embed="rId2"/>
+          <a:stretch>
+            <a:fillRect/>
+          </a:stretch>
+        </p:blipFill>
+        <p:spPr>
+          <a:xfrm>
+            <a:off x="4884355" y="2755245"/>
+            <a:ext cx="1771650" cy="2790825"/>
+          </a:xfrm>
+          <a:prstGeom prst="rect">
+            <a:avLst/>
+          </a:prstGeom>
+        </p:spPr>
+      </p:pic>
     </p:spTree>
     <p:extLst>
       <p:ext uri="{BB962C8B-B14F-4D97-AF65-F5344CB8AC3E}">

--- a/presentation.pptx
+++ b/presentation.pptx
@@ -6307,6 +6307,30 @@
           </a:p>
         </p:txBody>
       </p:sp>
+      <p:pic>
+        <p:nvPicPr>
+          <p:cNvPr id="4" name="Image 3"/>
+          <p:cNvPicPr>
+            <a:picLocks noChangeAspect="1"/>
+          </p:cNvPicPr>
+          <p:nvPr/>
+        </p:nvPicPr>
+        <p:blipFill>
+          <a:blip r:embed="rId2"/>
+          <a:stretch>
+            <a:fillRect/>
+          </a:stretch>
+        </p:blipFill>
+        <p:spPr>
+          <a:xfrm>
+            <a:off x="3819219" y="2973771"/>
+            <a:ext cx="3514725" cy="2171700"/>
+          </a:xfrm>
+          <a:prstGeom prst="rect">
+            <a:avLst/>
+          </a:prstGeom>
+        </p:spPr>
+      </p:pic>
     </p:spTree>
     <p:extLst>
       <p:ext uri="{BB962C8B-B14F-4D97-AF65-F5344CB8AC3E}">

--- a/presentation.pptx
+++ b/presentation.pptx
@@ -306,7 +306,7 @@
           <a:p>
             <a:fld id="{4AAD347D-5ACD-4C99-B74B-A9C85AD731AF}" type="datetimeFigureOut">
               <a:rPr lang="en-US" dirty="0"/>
-              <a:t>2/4/2016</a:t>
+              <a:t>2/5/2016</a:t>
             </a:fld>
             <a:endParaRPr lang="en-US" dirty="0"/>
           </a:p>
@@ -576,7 +576,7 @@
           <a:p>
             <a:fld id="{4509A250-FF31-4206-8172-F9D3106AACB1}" type="datetimeFigureOut">
               <a:rPr lang="en-US" dirty="0"/>
-              <a:t>2/4/2016</a:t>
+              <a:t>2/5/2016</a:t>
             </a:fld>
             <a:endParaRPr lang="en-US" dirty="0"/>
           </a:p>
@@ -765,7 +765,7 @@
           <a:p>
             <a:fld id="{4509A250-FF31-4206-8172-F9D3106AACB1}" type="datetimeFigureOut">
               <a:rPr lang="en-US" dirty="0"/>
-              <a:t>2/4/2016</a:t>
+              <a:t>2/5/2016</a:t>
             </a:fld>
             <a:endParaRPr lang="en-US" dirty="0"/>
           </a:p>
@@ -1028,7 +1028,7 @@
           <a:p>
             <a:fld id="{4509A250-FF31-4206-8172-F9D3106AACB1}" type="datetimeFigureOut">
               <a:rPr lang="en-US" dirty="0"/>
-              <a:t>2/4/2016</a:t>
+              <a:t>2/5/2016</a:t>
             </a:fld>
             <a:endParaRPr lang="en-US" dirty="0"/>
           </a:p>
@@ -1355,7 +1355,7 @@
           <a:p>
             <a:fld id="{4509A250-FF31-4206-8172-F9D3106AACB1}" type="datetimeFigureOut">
               <a:rPr lang="en-US" dirty="0"/>
-              <a:t>2/4/2016</a:t>
+              <a:t>2/5/2016</a:t>
             </a:fld>
             <a:endParaRPr lang="en-US" dirty="0"/>
           </a:p>
@@ -1960,7 +1960,7 @@
           <a:p>
             <a:fld id="{4509A250-FF31-4206-8172-F9D3106AACB1}" type="datetimeFigureOut">
               <a:rPr lang="en-US" dirty="0"/>
-              <a:t>2/4/2016</a:t>
+              <a:t>2/5/2016</a:t>
             </a:fld>
             <a:endParaRPr lang="en-US" dirty="0"/>
           </a:p>
@@ -2802,7 +2802,7 @@
           <a:p>
             <a:fld id="{4509A250-FF31-4206-8172-F9D3106AACB1}" type="datetimeFigureOut">
               <a:rPr lang="en-US" dirty="0"/>
-              <a:t>2/4/2016</a:t>
+              <a:t>2/5/2016</a:t>
             </a:fld>
             <a:endParaRPr lang="en-US" dirty="0"/>
           </a:p>
@@ -2967,7 +2967,7 @@
           <a:p>
             <a:fld id="{4509A250-FF31-4206-8172-F9D3106AACB1}" type="datetimeFigureOut">
               <a:rPr lang="en-US" dirty="0"/>
-              <a:t>2/4/2016</a:t>
+              <a:t>2/5/2016</a:t>
             </a:fld>
             <a:endParaRPr lang="en-US" dirty="0"/>
           </a:p>
@@ -3142,7 +3142,7 @@
           <a:p>
             <a:fld id="{4509A250-FF31-4206-8172-F9D3106AACB1}" type="datetimeFigureOut">
               <a:rPr lang="en-US" dirty="0"/>
-              <a:t>2/4/2016</a:t>
+              <a:t>2/5/2016</a:t>
             </a:fld>
             <a:endParaRPr lang="en-US" dirty="0"/>
           </a:p>
@@ -3307,7 +3307,7 @@
           <a:p>
             <a:fld id="{4509A250-FF31-4206-8172-F9D3106AACB1}" type="datetimeFigureOut">
               <a:rPr lang="en-US" dirty="0"/>
-              <a:t>2/4/2016</a:t>
+              <a:t>2/5/2016</a:t>
             </a:fld>
             <a:endParaRPr lang="en-US" dirty="0"/>
           </a:p>
@@ -3546,7 +3546,7 @@
           <a:p>
             <a:fld id="{4509A250-FF31-4206-8172-F9D3106AACB1}" type="datetimeFigureOut">
               <a:rPr lang="en-US" dirty="0"/>
-              <a:t>2/4/2016</a:t>
+              <a:t>2/5/2016</a:t>
             </a:fld>
             <a:endParaRPr lang="en-US" dirty="0"/>
           </a:p>
@@ -3833,7 +3833,7 @@
           <a:p>
             <a:fld id="{4509A250-FF31-4206-8172-F9D3106AACB1}" type="datetimeFigureOut">
               <a:rPr lang="en-US" dirty="0"/>
-              <a:t>2/4/2016</a:t>
+              <a:t>2/5/2016</a:t>
             </a:fld>
             <a:endParaRPr lang="en-US" dirty="0"/>
           </a:p>
@@ -4266,7 +4266,7 @@
           <a:p>
             <a:fld id="{4509A250-FF31-4206-8172-F9D3106AACB1}" type="datetimeFigureOut">
               <a:rPr lang="en-US" dirty="0"/>
-              <a:t>2/4/2016</a:t>
+              <a:t>2/5/2016</a:t>
             </a:fld>
             <a:endParaRPr lang="en-US" dirty="0"/>
           </a:p>
@@ -4379,7 +4379,7 @@
           <a:p>
             <a:fld id="{4509A250-FF31-4206-8172-F9D3106AACB1}" type="datetimeFigureOut">
               <a:rPr lang="en-US" dirty="0"/>
-              <a:t>2/4/2016</a:t>
+              <a:t>2/5/2016</a:t>
             </a:fld>
             <a:endParaRPr lang="en-US" dirty="0"/>
           </a:p>
@@ -4469,7 +4469,7 @@
           <a:p>
             <a:fld id="{4509A250-FF31-4206-8172-F9D3106AACB1}" type="datetimeFigureOut">
               <a:rPr lang="en-US" dirty="0"/>
-              <a:t>2/4/2016</a:t>
+              <a:t>2/5/2016</a:t>
             </a:fld>
             <a:endParaRPr lang="en-US" dirty="0"/>
           </a:p>
@@ -4743,7 +4743,7 @@
           <a:p>
             <a:fld id="{4509A250-FF31-4206-8172-F9D3106AACB1}" type="datetimeFigureOut">
               <a:rPr lang="en-US" dirty="0"/>
-              <a:t>2/4/2016</a:t>
+              <a:t>2/5/2016</a:t>
             </a:fld>
             <a:endParaRPr lang="en-US" dirty="0"/>
           </a:p>
@@ -5013,7 +5013,7 @@
           <a:p>
             <a:fld id="{4509A250-FF31-4206-8172-F9D3106AACB1}" type="datetimeFigureOut">
               <a:rPr lang="en-US" dirty="0"/>
-              <a:t>2/4/2016</a:t>
+              <a:t>2/5/2016</a:t>
             </a:fld>
             <a:endParaRPr lang="en-US" dirty="0"/>
           </a:p>
@@ -5437,7 +5437,7 @@
           <a:p>
             <a:fld id="{4509A250-FF31-4206-8172-F9D3106AACB1}" type="datetimeFigureOut">
               <a:rPr lang="en-US" dirty="0"/>
-              <a:t>2/4/2016</a:t>
+              <a:t>2/5/2016</a:t>
             </a:fld>
             <a:endParaRPr lang="en-US" dirty="0"/>
           </a:p>
@@ -6106,22 +6106,45 @@
       </p:sp>
       <p:pic>
         <p:nvPicPr>
-          <p:cNvPr id="4" name="Image 3"/>
+          <p:cNvPr id="5" name="Image 4"/>
+          <p:cNvPicPr>
+            <a:picLocks noChangeAspect="1"/>
+          </p:cNvPicPr>
+          <p:nvPr/>
+        </p:nvPicPr>
+        <p:blipFill rotWithShape="1">
+          <a:blip r:embed="rId2"/>
+          <a:srcRect b="2096"/>
+          <a:stretch/>
+        </p:blipFill>
+        <p:spPr>
+          <a:xfrm>
+            <a:off x="1103312" y="2712196"/>
+            <a:ext cx="2500941" cy="2496391"/>
+          </a:xfrm>
+          <a:prstGeom prst="rect">
+            <a:avLst/>
+          </a:prstGeom>
+        </p:spPr>
+      </p:pic>
+      <p:pic>
+        <p:nvPicPr>
+          <p:cNvPr id="6" name="Image 5"/>
           <p:cNvPicPr>
             <a:picLocks noChangeAspect="1"/>
           </p:cNvPicPr>
           <p:nvPr/>
         </p:nvPicPr>
         <p:blipFill>
-          <a:blip r:embed="rId2"/>
+          <a:blip r:embed="rId3"/>
           <a:stretch>
             <a:fillRect/>
           </a:stretch>
         </p:blipFill>
         <p:spPr>
           <a:xfrm>
-            <a:off x="2162359" y="2200063"/>
-            <a:ext cx="6372225" cy="3581400"/>
+            <a:off x="3604253" y="2712197"/>
+            <a:ext cx="6445600" cy="2496391"/>
           </a:xfrm>
           <a:prstGeom prst="rect">
             <a:avLst/>
@@ -6303,34 +6326,93 @@
           <a:bodyPr/>
           <a:lstStyle/>
           <a:p>
+            <a:r>
+              <a:rPr lang="fr-FR" dirty="0" smtClean="0"/>
+              <a:t>4-Tiers Architectural Pattern</a:t>
+            </a:r>
+          </a:p>
+          <a:p>
+            <a:pPr lvl="1"/>
+            <a:r>
+              <a:rPr lang="fr-FR" dirty="0" err="1" smtClean="0"/>
+              <a:t>Presentation</a:t>
+            </a:r>
+            <a:r>
+              <a:rPr lang="fr-FR" dirty="0" smtClean="0"/>
+              <a:t> Layer</a:t>
+            </a:r>
+          </a:p>
+          <a:p>
+            <a:pPr lvl="1"/>
+            <a:r>
+              <a:rPr lang="fr-FR" dirty="0" smtClean="0"/>
+              <a:t>Business Layer</a:t>
+            </a:r>
+          </a:p>
+          <a:p>
+            <a:pPr lvl="1"/>
+            <a:r>
+              <a:rPr lang="fr-FR" dirty="0" smtClean="0"/>
+              <a:t>Data Access Layer</a:t>
+            </a:r>
+          </a:p>
+          <a:p>
+            <a:pPr lvl="1"/>
+            <a:r>
+              <a:rPr lang="fr-FR" dirty="0" err="1" smtClean="0"/>
+              <a:t>Entities</a:t>
+            </a:r>
+            <a:r>
+              <a:rPr lang="fr-FR" dirty="0" smtClean="0"/>
+              <a:t> Layer</a:t>
+            </a:r>
+          </a:p>
+          <a:p>
+            <a:pPr lvl="1"/>
             <a:endParaRPr lang="fr-FR" dirty="0"/>
           </a:p>
-        </p:txBody>
-      </p:sp>
-      <p:pic>
-        <p:nvPicPr>
-          <p:cNvPr id="4" name="Image 3"/>
-          <p:cNvPicPr>
-            <a:picLocks noChangeAspect="1"/>
-          </p:cNvPicPr>
-          <p:nvPr/>
-        </p:nvPicPr>
-        <p:blipFill>
-          <a:blip r:embed="rId2"/>
-          <a:stretch>
-            <a:fillRect/>
-          </a:stretch>
-        </p:blipFill>
-        <p:spPr>
-          <a:xfrm>
-            <a:off x="3819219" y="2973771"/>
-            <a:ext cx="3514725" cy="2171700"/>
-          </a:xfrm>
-          <a:prstGeom prst="rect">
-            <a:avLst/>
-          </a:prstGeom>
-        </p:spPr>
-      </p:pic>
+          <a:p>
+            <a:r>
+              <a:rPr lang="fr-FR" dirty="0" smtClean="0"/>
+              <a:t>MVVM </a:t>
+            </a:r>
+            <a:r>
+              <a:rPr lang="fr-FR" dirty="0"/>
+              <a:t>Architectural Pattern</a:t>
+            </a:r>
+          </a:p>
+          <a:p>
+            <a:pPr lvl="1"/>
+            <a:r>
+              <a:rPr lang="fr-FR" dirty="0" smtClean="0"/>
+              <a:t>Model</a:t>
+            </a:r>
+          </a:p>
+          <a:p>
+            <a:pPr lvl="1"/>
+            <a:r>
+              <a:rPr lang="fr-FR" dirty="0" err="1" smtClean="0"/>
+              <a:t>View</a:t>
+            </a:r>
+            <a:endParaRPr lang="fr-FR" dirty="0" smtClean="0"/>
+          </a:p>
+          <a:p>
+            <a:pPr lvl="1"/>
+            <a:r>
+              <a:rPr lang="fr-FR" dirty="0" err="1" smtClean="0"/>
+              <a:t>View</a:t>
+            </a:r>
+            <a:r>
+              <a:rPr lang="fr-FR" dirty="0" smtClean="0"/>
+              <a:t>-Model</a:t>
+            </a:r>
+          </a:p>
+          <a:p>
+            <a:pPr lvl="1"/>
+            <a:endParaRPr lang="fr-FR" dirty="0" smtClean="0"/>
+          </a:p>
+        </p:txBody>
+      </p:sp>
     </p:spTree>
     <p:extLst>
       <p:ext uri="{BB962C8B-B14F-4D97-AF65-F5344CB8AC3E}">

--- a/presentation.pptx
+++ b/presentation.pptx
@@ -6468,13 +6468,11 @@
       </p:sp>
       <p:pic>
         <p:nvPicPr>
-          <p:cNvPr id="1026" name="Picture 2" descr="http://images.clipartpanda.com/working-together-as-a-team-Working-Together-Small-635x344.jpg"/>
+          <p:cNvPr id="3" name="Image 2"/>
           <p:cNvPicPr>
-            <a:picLocks noGrp="1" noChangeAspect="1" noChangeArrowheads="1"/>
+            <a:picLocks noChangeAspect="1"/>
           </p:cNvPicPr>
-          <p:nvPr>
-            <p:ph idx="1"/>
-          </p:nvPr>
+          <p:nvPr/>
         </p:nvPicPr>
         <p:blipFill>
           <a:blip r:embed="rId2">
@@ -6484,29 +6482,18 @@
               </a:ext>
             </a:extLst>
           </a:blip>
-          <a:srcRect/>
           <a:stretch>
             <a:fillRect/>
           </a:stretch>
         </p:blipFill>
-        <p:spPr bwMode="auto">
+        <p:spPr>
           <a:xfrm>
-            <a:off x="2552700" y="2512219"/>
-            <a:ext cx="6048375" cy="3276600"/>
+            <a:off x="2905013" y="2115670"/>
+            <a:ext cx="5715000" cy="3810000"/>
           </a:xfrm>
           <a:prstGeom prst="rect">
             <a:avLst/>
           </a:prstGeom>
-          <a:noFill/>
-          <a:extLst>
-            <a:ext uri="{909E8E84-426E-40DD-AFC4-6F175D3DCCD1}">
-              <a14:hiddenFill xmlns:a14="http://schemas.microsoft.com/office/drawing/2010/main">
-                <a:solidFill>
-                  <a:srgbClr val="FFFFFF"/>
-                </a:solidFill>
-              </a14:hiddenFill>
-            </a:ext>
-          </a:extLst>
         </p:spPr>
       </p:pic>
     </p:spTree>

--- a/presentation.pptx
+++ b/presentation.pptx
@@ -6208,54 +6208,64 @@
           </a:p>
         </p:txBody>
       </p:sp>
+      <p:sp>
+        <p:nvSpPr>
+          <p:cNvPr id="3" name="Espace réservé du contenu 2"/>
+          <p:cNvSpPr>
+            <a:spLocks noGrp="1"/>
+          </p:cNvSpPr>
+          <p:nvPr>
+            <p:ph idx="1"/>
+          </p:nvPr>
+        </p:nvSpPr>
+        <p:spPr/>
+        <p:txBody>
+          <a:bodyPr/>
+          <a:lstStyle/>
+          <a:p>
+            <a:endParaRPr lang="fr-FR"/>
+          </a:p>
+        </p:txBody>
+      </p:sp>
       <p:pic>
         <p:nvPicPr>
-          <p:cNvPr id="4" name="Espace réservé du contenu 3"/>
+          <p:cNvPr id="1026" name="Picture 2" descr="https://scontent-cdg2-1.xx.fbcdn.net/hphotos-xla1/v/t34.0-12/12650196_10207162514040080_505437521_n.jpg?oh=a89513a66361cc5709b690f9f683b252&amp;oe=56B693DA"/>
           <p:cNvPicPr>
-            <a:picLocks noGrp="1" noChangeAspect="1"/>
+            <a:picLocks noChangeAspect="1" noChangeArrowheads="1"/>
           </p:cNvPicPr>
-          <p:nvPr>
-            <p:ph idx="1"/>
-          </p:nvPr>
+          <p:nvPr/>
         </p:nvPicPr>
         <p:blipFill>
-          <a:blip r:embed="rId2"/>
+          <a:blip r:embed="rId2">
+            <a:extLst>
+              <a:ext uri="{28A0092B-C50C-407E-A947-70E740481C1C}">
+                <a14:useLocalDpi xmlns:a14="http://schemas.microsoft.com/office/drawing/2010/main" val="0"/>
+              </a:ext>
+            </a:extLst>
+          </a:blip>
+          <a:srcRect/>
           <a:stretch>
             <a:fillRect/>
           </a:stretch>
         </p:blipFill>
-        <p:spPr>
+        <p:spPr bwMode="auto">
           <a:xfrm>
-            <a:off x="2056579" y="1988836"/>
-            <a:ext cx="7124700" cy="2200275"/>
+            <a:off x="2862446" y="2052918"/>
+            <a:ext cx="5775367" cy="4203591"/>
           </a:xfrm>
           <a:prstGeom prst="rect">
             <a:avLst/>
           </a:prstGeom>
-        </p:spPr>
-      </p:pic>
-      <p:pic>
-        <p:nvPicPr>
-          <p:cNvPr id="5" name="Image 4"/>
-          <p:cNvPicPr>
-            <a:picLocks noChangeAspect="1"/>
-          </p:cNvPicPr>
-          <p:nvPr/>
-        </p:nvPicPr>
-        <p:blipFill>
-          <a:blip r:embed="rId3"/>
-          <a:stretch>
-            <a:fillRect/>
-          </a:stretch>
-        </p:blipFill>
-        <p:spPr>
-          <a:xfrm>
-            <a:off x="4091172" y="4588422"/>
-            <a:ext cx="2514600" cy="876300"/>
-          </a:xfrm>
-          <a:prstGeom prst="rect">
-            <a:avLst/>
-          </a:prstGeom>
+          <a:noFill/>
+          <a:extLst>
+            <a:ext uri="{909E8E84-426E-40DD-AFC4-6F175D3DCCD1}">
+              <a14:hiddenFill xmlns:a14="http://schemas.microsoft.com/office/drawing/2010/main">
+                <a:solidFill>
+                  <a:srgbClr val="FFFFFF"/>
+                </a:solidFill>
+              </a14:hiddenFill>
+            </a:ext>
+          </a:extLst>
         </p:spPr>
       </p:pic>
     </p:spTree>

--- a/presentation.pptx
+++ b/presentation.pptx
@@ -7019,8 +7019,32 @@
         </p:blipFill>
         <p:spPr>
           <a:xfrm>
-            <a:off x="3986397" y="2916456"/>
+            <a:off x="2059625" y="2916455"/>
             <a:ext cx="2724150" cy="2790825"/>
+          </a:xfrm>
+          <a:prstGeom prst="rect">
+            <a:avLst/>
+          </a:prstGeom>
+        </p:spPr>
+      </p:pic>
+      <p:pic>
+        <p:nvPicPr>
+          <p:cNvPr id="4" name="Image 3"/>
+          <p:cNvPicPr>
+            <a:picLocks noChangeAspect="1"/>
+          </p:cNvPicPr>
+          <p:nvPr/>
+        </p:nvPicPr>
+        <p:blipFill>
+          <a:blip r:embed="rId3"/>
+          <a:stretch>
+            <a:fillRect/>
+          </a:stretch>
+        </p:blipFill>
+        <p:spPr>
+          <a:xfrm>
+            <a:off x="6051776" y="3406992"/>
+            <a:ext cx="3648075" cy="1809750"/>
           </a:xfrm>
           <a:prstGeom prst="rect">
             <a:avLst/>
